--- a/Figures and Graphs/figures/ungulate transect diagram.pptx
+++ b/Figures and Graphs/figures/ungulate transect diagram.pptx
@@ -307,7 +307,7 @@
             <a:fld id="{C9CE8FD2-FA75-6843-BC58-D1AA14352EDB}" type="datetimeFigureOut">
               <a:rPr lang="en-US" smtClean="0"/>
               <a:pPr/>
-              <a:t>5/19/2017</a:t>
+              <a:t>5/22/2017</a:t>
             </a:fld>
             <a:endParaRPr lang="en-US"/>
           </a:p>
@@ -472,7 +472,7 @@
             <a:fld id="{C9CE8FD2-FA75-6843-BC58-D1AA14352EDB}" type="datetimeFigureOut">
               <a:rPr lang="en-US" smtClean="0"/>
               <a:pPr/>
-              <a:t>5/19/2017</a:t>
+              <a:t>5/22/2017</a:t>
             </a:fld>
             <a:endParaRPr lang="en-US"/>
           </a:p>
@@ -647,7 +647,7 @@
             <a:fld id="{C9CE8FD2-FA75-6843-BC58-D1AA14352EDB}" type="datetimeFigureOut">
               <a:rPr lang="en-US" smtClean="0"/>
               <a:pPr/>
-              <a:t>5/19/2017</a:t>
+              <a:t>5/22/2017</a:t>
             </a:fld>
             <a:endParaRPr lang="en-US"/>
           </a:p>
@@ -812,7 +812,7 @@
             <a:fld id="{C9CE8FD2-FA75-6843-BC58-D1AA14352EDB}" type="datetimeFigureOut">
               <a:rPr lang="en-US" smtClean="0"/>
               <a:pPr/>
-              <a:t>5/19/2017</a:t>
+              <a:t>5/22/2017</a:t>
             </a:fld>
             <a:endParaRPr lang="en-US"/>
           </a:p>
@@ -1054,7 +1054,7 @@
             <a:fld id="{C9CE8FD2-FA75-6843-BC58-D1AA14352EDB}" type="datetimeFigureOut">
               <a:rPr lang="en-US" smtClean="0"/>
               <a:pPr/>
-              <a:t>5/19/2017</a:t>
+              <a:t>5/22/2017</a:t>
             </a:fld>
             <a:endParaRPr lang="en-US"/>
           </a:p>
@@ -1336,7 +1336,7 @@
             <a:fld id="{C9CE8FD2-FA75-6843-BC58-D1AA14352EDB}" type="datetimeFigureOut">
               <a:rPr lang="en-US" smtClean="0"/>
               <a:pPr/>
-              <a:t>5/19/2017</a:t>
+              <a:t>5/22/2017</a:t>
             </a:fld>
             <a:endParaRPr lang="en-US"/>
           </a:p>
@@ -1752,7 +1752,7 @@
             <a:fld id="{C9CE8FD2-FA75-6843-BC58-D1AA14352EDB}" type="datetimeFigureOut">
               <a:rPr lang="en-US" smtClean="0"/>
               <a:pPr/>
-              <a:t>5/19/2017</a:t>
+              <a:t>5/22/2017</a:t>
             </a:fld>
             <a:endParaRPr lang="en-US"/>
           </a:p>
@@ -1866,7 +1866,7 @@
             <a:fld id="{C9CE8FD2-FA75-6843-BC58-D1AA14352EDB}" type="datetimeFigureOut">
               <a:rPr lang="en-US" smtClean="0"/>
               <a:pPr/>
-              <a:t>5/19/2017</a:t>
+              <a:t>5/22/2017</a:t>
             </a:fld>
             <a:endParaRPr lang="en-US"/>
           </a:p>
@@ -1958,7 +1958,7 @@
             <a:fld id="{C9CE8FD2-FA75-6843-BC58-D1AA14352EDB}" type="datetimeFigureOut">
               <a:rPr lang="en-US" smtClean="0"/>
               <a:pPr/>
-              <a:t>5/19/2017</a:t>
+              <a:t>5/22/2017</a:t>
             </a:fld>
             <a:endParaRPr lang="en-US"/>
           </a:p>
@@ -2230,7 +2230,7 @@
             <a:fld id="{C9CE8FD2-FA75-6843-BC58-D1AA14352EDB}" type="datetimeFigureOut">
               <a:rPr lang="en-US" smtClean="0"/>
               <a:pPr/>
-              <a:t>5/19/2017</a:t>
+              <a:t>5/22/2017</a:t>
             </a:fld>
             <a:endParaRPr lang="en-US"/>
           </a:p>
@@ -2479,7 +2479,7 @@
             <a:fld id="{C9CE8FD2-FA75-6843-BC58-D1AA14352EDB}" type="datetimeFigureOut">
               <a:rPr lang="en-US" smtClean="0"/>
               <a:pPr/>
-              <a:t>5/19/2017</a:t>
+              <a:t>5/22/2017</a:t>
             </a:fld>
             <a:endParaRPr lang="en-US"/>
           </a:p>
@@ -2687,7 +2687,7 @@
             <a:fld id="{C9CE8FD2-FA75-6843-BC58-D1AA14352EDB}" type="datetimeFigureOut">
               <a:rPr lang="en-US" smtClean="0"/>
               <a:pPr/>
-              <a:t>5/19/2017</a:t>
+              <a:t>5/22/2017</a:t>
             </a:fld>
             <a:endParaRPr lang="en-US"/>
           </a:p>
@@ -3230,7 +3230,7 @@
           </a:prstGeom>
           <a:ln w="31750" cap="flat" cmpd="sng" algn="ctr">
             <a:solidFill>
-              <a:schemeClr val="tx1"/>
+              <a:srgbClr val="00B050"/>
             </a:solidFill>
             <a:prstDash val="solid"/>
             <a:round/>
@@ -3261,8 +3261,8 @@
         </p:nvSpPr>
         <p:spPr>
           <a:xfrm>
-            <a:off x="2584174" y="2576701"/>
-            <a:ext cx="3180521" cy="369332"/>
+            <a:off x="1657889" y="2684422"/>
+            <a:ext cx="4931754" cy="369332"/>
           </a:xfrm>
           <a:prstGeom prst="rect">
             <a:avLst/>
@@ -3282,8 +3282,12 @@
           <a:lstStyle/>
           <a:p>
             <a:r>
-              <a:rPr lang="en-US" dirty="0"/>
-              <a:t>100-m vegetation transect</a:t>
+              <a:rPr lang="en-US" dirty="0">
+                <a:solidFill>
+                  <a:srgbClr val="00B050"/>
+                </a:solidFill>
+              </a:rPr>
+              <a:t>100-m x 1-m belt transect to survey vegetation</a:t>
             </a:r>
           </a:p>
         </p:txBody>
@@ -3296,8 +3300,8 @@
         </p:nvSpPr>
         <p:spPr>
           <a:xfrm>
-            <a:off x="7137388" y="2268924"/>
-            <a:ext cx="1940908" cy="1200329"/>
+            <a:off x="7137388" y="2487585"/>
+            <a:ext cx="1940908" cy="1477328"/>
           </a:xfrm>
           <a:prstGeom prst="rect">
             <a:avLst/>
@@ -3312,43 +3316,1458 @@
           <a:p>
             <a:r>
               <a:rPr lang="en-US" dirty="0">
-                <a:latin typeface="Arial" panose="020B0604020202020204" pitchFamily="34" charset="0"/>
                 <a:cs typeface="Arial" panose="020B0604020202020204" pitchFamily="34" charset="0"/>
               </a:rPr>
-              <a:t>Walking transects</a:t>
+              <a:t>2-m wide belt transects</a:t>
             </a:r>
           </a:p>
           <a:p>
             <a:r>
               <a:rPr lang="en-US" dirty="0">
-                <a:latin typeface="Arial" panose="020B0604020202020204" pitchFamily="34" charset="0"/>
                 <a:cs typeface="Arial" panose="020B0604020202020204" pitchFamily="34" charset="0"/>
               </a:rPr>
-              <a:t>~100 </a:t>
-            </a:r>
-            <a:r>
-              <a:rPr lang="en-US" dirty="0" err="1">
-                <a:latin typeface="Arial" panose="020B0604020202020204" pitchFamily="34" charset="0"/>
-                <a:cs typeface="Arial" panose="020B0604020202020204" pitchFamily="34" charset="0"/>
-              </a:rPr>
-              <a:t>m</a:t>
-            </a:r>
-            <a:r>
-              <a:rPr lang="en-US" dirty="0">
-                <a:latin typeface="Arial" panose="020B0604020202020204" pitchFamily="34" charset="0"/>
-                <a:cs typeface="Arial" panose="020B0604020202020204" pitchFamily="34" charset="0"/>
-              </a:rPr>
-              <a:t> per side</a:t>
-            </a:r>
-          </a:p>
-          <a:p>
-            <a:r>
-              <a:rPr lang="en-US" dirty="0">
-                <a:latin typeface="Arial" panose="020B0604020202020204" pitchFamily="34" charset="0"/>
-                <a:cs typeface="Arial" panose="020B0604020202020204" pitchFamily="34" charset="0"/>
-              </a:rPr>
-              <a:t>(sign counts)</a:t>
-            </a:r>
+              <a:t>~100 m per side to count pig scats and deer pellets</a:t>
+            </a:r>
+          </a:p>
+        </p:txBody>
+      </p:sp>
+      <p:sp>
+        <p:nvSpPr>
+          <p:cNvPr id="3" name="Rectangle 2"/>
+          <p:cNvSpPr/>
+          <p:nvPr/>
+        </p:nvSpPr>
+        <p:spPr>
+          <a:xfrm>
+            <a:off x="1968891" y="1982073"/>
+            <a:ext cx="117382" cy="345145"/>
+          </a:xfrm>
+          <a:prstGeom prst="rect">
+            <a:avLst/>
+          </a:prstGeom>
+          <a:solidFill>
+            <a:schemeClr val="bg2">
+              <a:lumMod val="50000"/>
+            </a:schemeClr>
+          </a:solidFill>
+          <a:ln>
+            <a:solidFill>
+              <a:schemeClr val="bg2">
+                <a:lumMod val="50000"/>
+              </a:schemeClr>
+            </a:solidFill>
+          </a:ln>
+        </p:spPr>
+        <p:style>
+          <a:lnRef idx="1">
+            <a:schemeClr val="accent1"/>
+          </a:lnRef>
+          <a:fillRef idx="3">
+            <a:schemeClr val="accent1"/>
+          </a:fillRef>
+          <a:effectRef idx="2">
+            <a:schemeClr val="accent1"/>
+          </a:effectRef>
+          <a:fontRef idx="minor">
+            <a:schemeClr val="lt1"/>
+          </a:fontRef>
+        </p:style>
+        <p:txBody>
+          <a:bodyPr rtlCol="0" anchor="ctr"/>
+          <a:lstStyle/>
+          <a:p>
+            <a:pPr algn="ctr"/>
+            <a:endParaRPr lang="en-US"/>
+          </a:p>
+        </p:txBody>
+      </p:sp>
+      <p:sp>
+        <p:nvSpPr>
+          <p:cNvPr id="2" name="Cloud 1"/>
+          <p:cNvSpPr/>
+          <p:nvPr/>
+        </p:nvSpPr>
+        <p:spPr>
+          <a:xfrm>
+            <a:off x="1759226" y="1669774"/>
+            <a:ext cx="536713" cy="337930"/>
+          </a:xfrm>
+          <a:prstGeom prst="cloud">
+            <a:avLst/>
+          </a:prstGeom>
+          <a:solidFill>
+            <a:srgbClr val="00B050"/>
+          </a:solidFill>
+          <a:ln>
+            <a:solidFill>
+              <a:srgbClr val="00B050"/>
+            </a:solidFill>
+          </a:ln>
+        </p:spPr>
+        <p:style>
+          <a:lnRef idx="1">
+            <a:schemeClr val="accent1"/>
+          </a:lnRef>
+          <a:fillRef idx="3">
+            <a:schemeClr val="accent1"/>
+          </a:fillRef>
+          <a:effectRef idx="2">
+            <a:schemeClr val="accent1"/>
+          </a:effectRef>
+          <a:fontRef idx="minor">
+            <a:schemeClr val="lt1"/>
+          </a:fontRef>
+        </p:style>
+        <p:txBody>
+          <a:bodyPr rtlCol="0" anchor="ctr"/>
+          <a:lstStyle/>
+          <a:p>
+            <a:pPr algn="ctr"/>
+            <a:endParaRPr lang="en-US"/>
+          </a:p>
+        </p:txBody>
+      </p:sp>
+      <p:sp>
+        <p:nvSpPr>
+          <p:cNvPr id="12" name="Rectangle 11"/>
+          <p:cNvSpPr/>
+          <p:nvPr/>
+        </p:nvSpPr>
+        <p:spPr>
+          <a:xfrm>
+            <a:off x="3303342" y="2142440"/>
+            <a:ext cx="117382" cy="345145"/>
+          </a:xfrm>
+          <a:prstGeom prst="rect">
+            <a:avLst/>
+          </a:prstGeom>
+          <a:solidFill>
+            <a:schemeClr val="bg2">
+              <a:lumMod val="50000"/>
+            </a:schemeClr>
+          </a:solidFill>
+          <a:ln>
+            <a:solidFill>
+              <a:schemeClr val="bg2">
+                <a:lumMod val="50000"/>
+              </a:schemeClr>
+            </a:solidFill>
+          </a:ln>
+        </p:spPr>
+        <p:style>
+          <a:lnRef idx="1">
+            <a:schemeClr val="accent1"/>
+          </a:lnRef>
+          <a:fillRef idx="3">
+            <a:schemeClr val="accent1"/>
+          </a:fillRef>
+          <a:effectRef idx="2">
+            <a:schemeClr val="accent1"/>
+          </a:effectRef>
+          <a:fontRef idx="minor">
+            <a:schemeClr val="lt1"/>
+          </a:fontRef>
+        </p:style>
+        <p:txBody>
+          <a:bodyPr rtlCol="0" anchor="ctr"/>
+          <a:lstStyle/>
+          <a:p>
+            <a:pPr algn="ctr"/>
+            <a:endParaRPr lang="en-US"/>
+          </a:p>
+        </p:txBody>
+      </p:sp>
+      <p:sp>
+        <p:nvSpPr>
+          <p:cNvPr id="11" name="Cloud 10"/>
+          <p:cNvSpPr/>
+          <p:nvPr/>
+        </p:nvSpPr>
+        <p:spPr>
+          <a:xfrm>
+            <a:off x="2890847" y="1839167"/>
+            <a:ext cx="961757" cy="364127"/>
+          </a:xfrm>
+          <a:prstGeom prst="cloud">
+            <a:avLst/>
+          </a:prstGeom>
+          <a:solidFill>
+            <a:srgbClr val="00B050"/>
+          </a:solidFill>
+          <a:ln>
+            <a:solidFill>
+              <a:srgbClr val="00B050"/>
+            </a:solidFill>
+          </a:ln>
+        </p:spPr>
+        <p:style>
+          <a:lnRef idx="1">
+            <a:schemeClr val="accent1"/>
+          </a:lnRef>
+          <a:fillRef idx="3">
+            <a:schemeClr val="accent1"/>
+          </a:fillRef>
+          <a:effectRef idx="2">
+            <a:schemeClr val="accent1"/>
+          </a:effectRef>
+          <a:fontRef idx="minor">
+            <a:schemeClr val="lt1"/>
+          </a:fontRef>
+        </p:style>
+        <p:txBody>
+          <a:bodyPr rtlCol="0" anchor="ctr"/>
+          <a:lstStyle/>
+          <a:p>
+            <a:pPr algn="ctr"/>
+            <a:endParaRPr lang="en-US"/>
+          </a:p>
+        </p:txBody>
+      </p:sp>
+      <p:sp>
+        <p:nvSpPr>
+          <p:cNvPr id="13" name="Rectangle 12"/>
+          <p:cNvSpPr/>
+          <p:nvPr/>
+        </p:nvSpPr>
+        <p:spPr>
+          <a:xfrm>
+            <a:off x="6530952" y="3385327"/>
+            <a:ext cx="117382" cy="345145"/>
+          </a:xfrm>
+          <a:prstGeom prst="rect">
+            <a:avLst/>
+          </a:prstGeom>
+          <a:solidFill>
+            <a:schemeClr val="bg2">
+              <a:lumMod val="50000"/>
+            </a:schemeClr>
+          </a:solidFill>
+          <a:ln>
+            <a:solidFill>
+              <a:schemeClr val="bg2">
+                <a:lumMod val="50000"/>
+              </a:schemeClr>
+            </a:solidFill>
+          </a:ln>
+        </p:spPr>
+        <p:style>
+          <a:lnRef idx="1">
+            <a:schemeClr val="accent1"/>
+          </a:lnRef>
+          <a:fillRef idx="3">
+            <a:schemeClr val="accent1"/>
+          </a:fillRef>
+          <a:effectRef idx="2">
+            <a:schemeClr val="accent1"/>
+          </a:effectRef>
+          <a:fontRef idx="minor">
+            <a:schemeClr val="lt1"/>
+          </a:fontRef>
+        </p:style>
+        <p:txBody>
+          <a:bodyPr rtlCol="0" anchor="ctr"/>
+          <a:lstStyle/>
+          <a:p>
+            <a:pPr algn="ctr"/>
+            <a:endParaRPr lang="en-US"/>
+          </a:p>
+        </p:txBody>
+      </p:sp>
+      <p:sp>
+        <p:nvSpPr>
+          <p:cNvPr id="14" name="Rectangle 13"/>
+          <p:cNvSpPr/>
+          <p:nvPr/>
+        </p:nvSpPr>
+        <p:spPr>
+          <a:xfrm>
+            <a:off x="5898161" y="4803467"/>
+            <a:ext cx="117382" cy="345145"/>
+          </a:xfrm>
+          <a:prstGeom prst="rect">
+            <a:avLst/>
+          </a:prstGeom>
+          <a:solidFill>
+            <a:schemeClr val="bg2">
+              <a:lumMod val="50000"/>
+            </a:schemeClr>
+          </a:solidFill>
+          <a:ln>
+            <a:solidFill>
+              <a:schemeClr val="bg2">
+                <a:lumMod val="50000"/>
+              </a:schemeClr>
+            </a:solidFill>
+          </a:ln>
+        </p:spPr>
+        <p:style>
+          <a:lnRef idx="1">
+            <a:schemeClr val="accent1"/>
+          </a:lnRef>
+          <a:fillRef idx="3">
+            <a:schemeClr val="accent1"/>
+          </a:fillRef>
+          <a:effectRef idx="2">
+            <a:schemeClr val="accent1"/>
+          </a:effectRef>
+          <a:fontRef idx="minor">
+            <a:schemeClr val="lt1"/>
+          </a:fontRef>
+        </p:style>
+        <p:txBody>
+          <a:bodyPr rtlCol="0" anchor="ctr"/>
+          <a:lstStyle/>
+          <a:p>
+            <a:pPr algn="ctr"/>
+            <a:endParaRPr lang="en-US"/>
+          </a:p>
+        </p:txBody>
+      </p:sp>
+      <p:sp>
+        <p:nvSpPr>
+          <p:cNvPr id="15" name="Rectangle 14"/>
+          <p:cNvSpPr/>
+          <p:nvPr/>
+        </p:nvSpPr>
+        <p:spPr>
+          <a:xfrm>
+            <a:off x="4539797" y="4346470"/>
+            <a:ext cx="117382" cy="345145"/>
+          </a:xfrm>
+          <a:prstGeom prst="rect">
+            <a:avLst/>
+          </a:prstGeom>
+          <a:solidFill>
+            <a:schemeClr val="bg2">
+              <a:lumMod val="50000"/>
+            </a:schemeClr>
+          </a:solidFill>
+          <a:ln>
+            <a:solidFill>
+              <a:schemeClr val="bg2">
+                <a:lumMod val="50000"/>
+              </a:schemeClr>
+            </a:solidFill>
+          </a:ln>
+        </p:spPr>
+        <p:style>
+          <a:lnRef idx="1">
+            <a:schemeClr val="accent1"/>
+          </a:lnRef>
+          <a:fillRef idx="3">
+            <a:schemeClr val="accent1"/>
+          </a:fillRef>
+          <a:effectRef idx="2">
+            <a:schemeClr val="accent1"/>
+          </a:effectRef>
+          <a:fontRef idx="minor">
+            <a:schemeClr val="lt1"/>
+          </a:fontRef>
+        </p:style>
+        <p:txBody>
+          <a:bodyPr rtlCol="0" anchor="ctr"/>
+          <a:lstStyle/>
+          <a:p>
+            <a:pPr algn="ctr"/>
+            <a:endParaRPr lang="en-US"/>
+          </a:p>
+        </p:txBody>
+      </p:sp>
+      <p:sp>
+        <p:nvSpPr>
+          <p:cNvPr id="17" name="Rectangle 16"/>
+          <p:cNvSpPr/>
+          <p:nvPr/>
+        </p:nvSpPr>
+        <p:spPr>
+          <a:xfrm>
+            <a:off x="5539646" y="2955763"/>
+            <a:ext cx="117382" cy="345145"/>
+          </a:xfrm>
+          <a:prstGeom prst="rect">
+            <a:avLst/>
+          </a:prstGeom>
+          <a:solidFill>
+            <a:schemeClr val="bg2">
+              <a:lumMod val="50000"/>
+            </a:schemeClr>
+          </a:solidFill>
+          <a:ln>
+            <a:solidFill>
+              <a:schemeClr val="bg2">
+                <a:lumMod val="50000"/>
+              </a:schemeClr>
+            </a:solidFill>
+          </a:ln>
+        </p:spPr>
+        <p:style>
+          <a:lnRef idx="1">
+            <a:schemeClr val="accent1"/>
+          </a:lnRef>
+          <a:fillRef idx="3">
+            <a:schemeClr val="accent1"/>
+          </a:fillRef>
+          <a:effectRef idx="2">
+            <a:schemeClr val="accent1"/>
+          </a:effectRef>
+          <a:fontRef idx="minor">
+            <a:schemeClr val="lt1"/>
+          </a:fontRef>
+        </p:style>
+        <p:txBody>
+          <a:bodyPr rtlCol="0" anchor="ctr"/>
+          <a:lstStyle/>
+          <a:p>
+            <a:pPr algn="ctr"/>
+            <a:endParaRPr lang="en-US"/>
+          </a:p>
+        </p:txBody>
+      </p:sp>
+      <p:sp>
+        <p:nvSpPr>
+          <p:cNvPr id="18" name="Rectangle 17"/>
+          <p:cNvSpPr/>
+          <p:nvPr/>
+        </p:nvSpPr>
+        <p:spPr>
+          <a:xfrm>
+            <a:off x="4422415" y="1476903"/>
+            <a:ext cx="117382" cy="345145"/>
+          </a:xfrm>
+          <a:prstGeom prst="rect">
+            <a:avLst/>
+          </a:prstGeom>
+          <a:solidFill>
+            <a:schemeClr val="bg2">
+              <a:lumMod val="50000"/>
+            </a:schemeClr>
+          </a:solidFill>
+          <a:ln>
+            <a:solidFill>
+              <a:schemeClr val="bg2">
+                <a:lumMod val="50000"/>
+              </a:schemeClr>
+            </a:solidFill>
+          </a:ln>
+        </p:spPr>
+        <p:style>
+          <a:lnRef idx="1">
+            <a:schemeClr val="accent1"/>
+          </a:lnRef>
+          <a:fillRef idx="3">
+            <a:schemeClr val="accent1"/>
+          </a:fillRef>
+          <a:effectRef idx="2">
+            <a:schemeClr val="accent1"/>
+          </a:effectRef>
+          <a:fontRef idx="minor">
+            <a:schemeClr val="lt1"/>
+          </a:fontRef>
+        </p:style>
+        <p:txBody>
+          <a:bodyPr rtlCol="0" anchor="ctr"/>
+          <a:lstStyle/>
+          <a:p>
+            <a:pPr algn="ctr"/>
+            <a:endParaRPr lang="en-US"/>
+          </a:p>
+        </p:txBody>
+      </p:sp>
+      <p:sp>
+        <p:nvSpPr>
+          <p:cNvPr id="19" name="Rectangle 18"/>
+          <p:cNvSpPr/>
+          <p:nvPr/>
+        </p:nvSpPr>
+        <p:spPr>
+          <a:xfrm>
+            <a:off x="1744067" y="3387823"/>
+            <a:ext cx="117382" cy="345145"/>
+          </a:xfrm>
+          <a:prstGeom prst="rect">
+            <a:avLst/>
+          </a:prstGeom>
+          <a:solidFill>
+            <a:schemeClr val="bg2">
+              <a:lumMod val="50000"/>
+            </a:schemeClr>
+          </a:solidFill>
+          <a:ln>
+            <a:solidFill>
+              <a:schemeClr val="bg2">
+                <a:lumMod val="50000"/>
+              </a:schemeClr>
+            </a:solidFill>
+          </a:ln>
+        </p:spPr>
+        <p:style>
+          <a:lnRef idx="1">
+            <a:schemeClr val="accent1"/>
+          </a:lnRef>
+          <a:fillRef idx="3">
+            <a:schemeClr val="accent1"/>
+          </a:fillRef>
+          <a:effectRef idx="2">
+            <a:schemeClr val="accent1"/>
+          </a:effectRef>
+          <a:fontRef idx="minor">
+            <a:schemeClr val="lt1"/>
+          </a:fontRef>
+        </p:style>
+        <p:txBody>
+          <a:bodyPr rtlCol="0" anchor="ctr"/>
+          <a:lstStyle/>
+          <a:p>
+            <a:pPr algn="ctr"/>
+            <a:endParaRPr lang="en-US"/>
+          </a:p>
+        </p:txBody>
+      </p:sp>
+      <p:sp>
+        <p:nvSpPr>
+          <p:cNvPr id="22" name="Rectangle 21"/>
+          <p:cNvSpPr/>
+          <p:nvPr/>
+        </p:nvSpPr>
+        <p:spPr>
+          <a:xfrm>
+            <a:off x="3419540" y="5018687"/>
+            <a:ext cx="117382" cy="345145"/>
+          </a:xfrm>
+          <a:prstGeom prst="rect">
+            <a:avLst/>
+          </a:prstGeom>
+          <a:solidFill>
+            <a:schemeClr val="bg2">
+              <a:lumMod val="50000"/>
+            </a:schemeClr>
+          </a:solidFill>
+          <a:ln>
+            <a:solidFill>
+              <a:schemeClr val="bg2">
+                <a:lumMod val="50000"/>
+              </a:schemeClr>
+            </a:solidFill>
+          </a:ln>
+        </p:spPr>
+        <p:style>
+          <a:lnRef idx="1">
+            <a:schemeClr val="accent1"/>
+          </a:lnRef>
+          <a:fillRef idx="3">
+            <a:schemeClr val="accent1"/>
+          </a:fillRef>
+          <a:effectRef idx="2">
+            <a:schemeClr val="accent1"/>
+          </a:effectRef>
+          <a:fontRef idx="minor">
+            <a:schemeClr val="lt1"/>
+          </a:fontRef>
+        </p:style>
+        <p:txBody>
+          <a:bodyPr rtlCol="0" anchor="ctr"/>
+          <a:lstStyle/>
+          <a:p>
+            <a:pPr algn="ctr"/>
+            <a:endParaRPr lang="en-US"/>
+          </a:p>
+        </p:txBody>
+      </p:sp>
+      <p:sp>
+        <p:nvSpPr>
+          <p:cNvPr id="23" name="Cloud 22"/>
+          <p:cNvSpPr/>
+          <p:nvPr/>
+        </p:nvSpPr>
+        <p:spPr>
+          <a:xfrm>
+            <a:off x="1496671" y="3114072"/>
+            <a:ext cx="536713" cy="337930"/>
+          </a:xfrm>
+          <a:prstGeom prst="cloud">
+            <a:avLst/>
+          </a:prstGeom>
+          <a:solidFill>
+            <a:srgbClr val="00B050"/>
+          </a:solidFill>
+          <a:ln>
+            <a:solidFill>
+              <a:srgbClr val="00B050"/>
+            </a:solidFill>
+          </a:ln>
+        </p:spPr>
+        <p:style>
+          <a:lnRef idx="1">
+            <a:schemeClr val="accent1"/>
+          </a:lnRef>
+          <a:fillRef idx="3">
+            <a:schemeClr val="accent1"/>
+          </a:fillRef>
+          <a:effectRef idx="2">
+            <a:schemeClr val="accent1"/>
+          </a:effectRef>
+          <a:fontRef idx="minor">
+            <a:schemeClr val="lt1"/>
+          </a:fontRef>
+        </p:style>
+        <p:txBody>
+          <a:bodyPr rtlCol="0" anchor="ctr"/>
+          <a:lstStyle/>
+          <a:p>
+            <a:pPr algn="ctr"/>
+            <a:endParaRPr lang="en-US"/>
+          </a:p>
+        </p:txBody>
+      </p:sp>
+      <p:sp>
+        <p:nvSpPr>
+          <p:cNvPr id="24" name="Cloud 23"/>
+          <p:cNvSpPr/>
+          <p:nvPr/>
+        </p:nvSpPr>
+        <p:spPr>
+          <a:xfrm>
+            <a:off x="4230268" y="1365727"/>
+            <a:ext cx="536713" cy="337930"/>
+          </a:xfrm>
+          <a:prstGeom prst="cloud">
+            <a:avLst/>
+          </a:prstGeom>
+          <a:solidFill>
+            <a:srgbClr val="00B050"/>
+          </a:solidFill>
+          <a:ln>
+            <a:solidFill>
+              <a:srgbClr val="00B050"/>
+            </a:solidFill>
+          </a:ln>
+        </p:spPr>
+        <p:style>
+          <a:lnRef idx="1">
+            <a:schemeClr val="accent1"/>
+          </a:lnRef>
+          <a:fillRef idx="3">
+            <a:schemeClr val="accent1"/>
+          </a:fillRef>
+          <a:effectRef idx="2">
+            <a:schemeClr val="accent1"/>
+          </a:effectRef>
+          <a:fontRef idx="minor">
+            <a:schemeClr val="lt1"/>
+          </a:fontRef>
+        </p:style>
+        <p:txBody>
+          <a:bodyPr rtlCol="0" anchor="ctr"/>
+          <a:lstStyle/>
+          <a:p>
+            <a:pPr algn="ctr"/>
+            <a:endParaRPr lang="en-US"/>
+          </a:p>
+        </p:txBody>
+      </p:sp>
+      <p:sp>
+        <p:nvSpPr>
+          <p:cNvPr id="25" name="Cloud 24"/>
+          <p:cNvSpPr/>
+          <p:nvPr/>
+        </p:nvSpPr>
+        <p:spPr>
+          <a:xfrm>
+            <a:off x="3093677" y="4776720"/>
+            <a:ext cx="758927" cy="371892"/>
+          </a:xfrm>
+          <a:prstGeom prst="cloud">
+            <a:avLst/>
+          </a:prstGeom>
+          <a:solidFill>
+            <a:srgbClr val="00B050"/>
+          </a:solidFill>
+          <a:ln>
+            <a:solidFill>
+              <a:srgbClr val="00B050"/>
+            </a:solidFill>
+          </a:ln>
+        </p:spPr>
+        <p:style>
+          <a:lnRef idx="1">
+            <a:schemeClr val="accent1"/>
+          </a:lnRef>
+          <a:fillRef idx="3">
+            <a:schemeClr val="accent1"/>
+          </a:fillRef>
+          <a:effectRef idx="2">
+            <a:schemeClr val="accent1"/>
+          </a:effectRef>
+          <a:fontRef idx="minor">
+            <a:schemeClr val="lt1"/>
+          </a:fontRef>
+        </p:style>
+        <p:txBody>
+          <a:bodyPr rtlCol="0" anchor="ctr"/>
+          <a:lstStyle/>
+          <a:p>
+            <a:pPr algn="ctr"/>
+            <a:endParaRPr lang="en-US"/>
+          </a:p>
+        </p:txBody>
+      </p:sp>
+      <p:sp>
+        <p:nvSpPr>
+          <p:cNvPr id="26" name="Cloud 25"/>
+          <p:cNvSpPr/>
+          <p:nvPr/>
+        </p:nvSpPr>
+        <p:spPr>
+          <a:xfrm>
+            <a:off x="4316236" y="3935894"/>
+            <a:ext cx="536713" cy="520511"/>
+          </a:xfrm>
+          <a:prstGeom prst="cloud">
+            <a:avLst/>
+          </a:prstGeom>
+          <a:solidFill>
+            <a:srgbClr val="00B050"/>
+          </a:solidFill>
+          <a:ln>
+            <a:solidFill>
+              <a:srgbClr val="00B050"/>
+            </a:solidFill>
+          </a:ln>
+        </p:spPr>
+        <p:style>
+          <a:lnRef idx="1">
+            <a:schemeClr val="accent1"/>
+          </a:lnRef>
+          <a:fillRef idx="3">
+            <a:schemeClr val="accent1"/>
+          </a:fillRef>
+          <a:effectRef idx="2">
+            <a:schemeClr val="accent1"/>
+          </a:effectRef>
+          <a:fontRef idx="minor">
+            <a:schemeClr val="lt1"/>
+          </a:fontRef>
+        </p:style>
+        <p:txBody>
+          <a:bodyPr rtlCol="0" anchor="ctr"/>
+          <a:lstStyle/>
+          <a:p>
+            <a:pPr algn="ctr"/>
+            <a:endParaRPr lang="en-US"/>
+          </a:p>
+        </p:txBody>
+      </p:sp>
+      <p:sp>
+        <p:nvSpPr>
+          <p:cNvPr id="27" name="Cloud 26"/>
+          <p:cNvSpPr/>
+          <p:nvPr/>
+        </p:nvSpPr>
+        <p:spPr>
+          <a:xfrm>
+            <a:off x="5301085" y="2706503"/>
+            <a:ext cx="536713" cy="337930"/>
+          </a:xfrm>
+          <a:prstGeom prst="cloud">
+            <a:avLst/>
+          </a:prstGeom>
+          <a:solidFill>
+            <a:srgbClr val="00B050"/>
+          </a:solidFill>
+          <a:ln>
+            <a:solidFill>
+              <a:srgbClr val="00B050"/>
+            </a:solidFill>
+          </a:ln>
+        </p:spPr>
+        <p:style>
+          <a:lnRef idx="1">
+            <a:schemeClr val="accent1"/>
+          </a:lnRef>
+          <a:fillRef idx="3">
+            <a:schemeClr val="accent1"/>
+          </a:fillRef>
+          <a:effectRef idx="2">
+            <a:schemeClr val="accent1"/>
+          </a:effectRef>
+          <a:fontRef idx="minor">
+            <a:schemeClr val="lt1"/>
+          </a:fontRef>
+        </p:style>
+        <p:txBody>
+          <a:bodyPr rtlCol="0" anchor="ctr"/>
+          <a:lstStyle/>
+          <a:p>
+            <a:pPr algn="ctr"/>
+            <a:endParaRPr lang="en-US"/>
+          </a:p>
+        </p:txBody>
+      </p:sp>
+      <p:sp>
+        <p:nvSpPr>
+          <p:cNvPr id="28" name="Cloud 27"/>
+          <p:cNvSpPr/>
+          <p:nvPr/>
+        </p:nvSpPr>
+        <p:spPr>
+          <a:xfrm>
+            <a:off x="6321286" y="3173715"/>
+            <a:ext cx="536713" cy="337930"/>
+          </a:xfrm>
+          <a:prstGeom prst="cloud">
+            <a:avLst/>
+          </a:prstGeom>
+          <a:solidFill>
+            <a:srgbClr val="00B050"/>
+          </a:solidFill>
+          <a:ln>
+            <a:solidFill>
+              <a:srgbClr val="00B050"/>
+            </a:solidFill>
+          </a:ln>
+        </p:spPr>
+        <p:style>
+          <a:lnRef idx="1">
+            <a:schemeClr val="accent1"/>
+          </a:lnRef>
+          <a:fillRef idx="3">
+            <a:schemeClr val="accent1"/>
+          </a:fillRef>
+          <a:effectRef idx="2">
+            <a:schemeClr val="accent1"/>
+          </a:effectRef>
+          <a:fontRef idx="minor">
+            <a:schemeClr val="lt1"/>
+          </a:fontRef>
+        </p:style>
+        <p:txBody>
+          <a:bodyPr rtlCol="0" anchor="ctr"/>
+          <a:lstStyle/>
+          <a:p>
+            <a:pPr algn="ctr"/>
+            <a:endParaRPr lang="en-US"/>
+          </a:p>
+        </p:txBody>
+      </p:sp>
+      <p:sp>
+        <p:nvSpPr>
+          <p:cNvPr id="29" name="Cloud 28"/>
+          <p:cNvSpPr/>
+          <p:nvPr/>
+        </p:nvSpPr>
+        <p:spPr>
+          <a:xfrm>
+            <a:off x="5436704" y="4575593"/>
+            <a:ext cx="1011903" cy="337930"/>
+          </a:xfrm>
+          <a:prstGeom prst="cloud">
+            <a:avLst/>
+          </a:prstGeom>
+          <a:solidFill>
+            <a:srgbClr val="00B050"/>
+          </a:solidFill>
+          <a:ln>
+            <a:solidFill>
+              <a:srgbClr val="00B050"/>
+            </a:solidFill>
+          </a:ln>
+        </p:spPr>
+        <p:style>
+          <a:lnRef idx="1">
+            <a:schemeClr val="accent1"/>
+          </a:lnRef>
+          <a:fillRef idx="3">
+            <a:schemeClr val="accent1"/>
+          </a:fillRef>
+          <a:effectRef idx="2">
+            <a:schemeClr val="accent1"/>
+          </a:effectRef>
+          <a:fontRef idx="minor">
+            <a:schemeClr val="lt1"/>
+          </a:fontRef>
+        </p:style>
+        <p:txBody>
+          <a:bodyPr rtlCol="0" anchor="ctr"/>
+          <a:lstStyle/>
+          <a:p>
+            <a:pPr algn="ctr"/>
+            <a:endParaRPr lang="en-US"/>
+          </a:p>
+        </p:txBody>
+      </p:sp>
+      <p:sp>
+        <p:nvSpPr>
+          <p:cNvPr id="30" name="Cloud 29"/>
+          <p:cNvSpPr/>
+          <p:nvPr/>
+        </p:nvSpPr>
+        <p:spPr>
+          <a:xfrm>
+            <a:off x="3885702" y="378992"/>
+            <a:ext cx="536713" cy="337930"/>
+          </a:xfrm>
+          <a:prstGeom prst="cloud">
+            <a:avLst/>
+          </a:prstGeom>
+          <a:solidFill>
+            <a:srgbClr val="00B050"/>
+          </a:solidFill>
+          <a:ln>
+            <a:solidFill>
+              <a:srgbClr val="00B050"/>
+            </a:solidFill>
+          </a:ln>
+        </p:spPr>
+        <p:style>
+          <a:lnRef idx="1">
+            <a:schemeClr val="accent1"/>
+          </a:lnRef>
+          <a:fillRef idx="3">
+            <a:schemeClr val="accent1"/>
+          </a:fillRef>
+          <a:effectRef idx="2">
+            <a:schemeClr val="accent1"/>
+          </a:effectRef>
+          <a:fontRef idx="minor">
+            <a:schemeClr val="lt1"/>
+          </a:fontRef>
+        </p:style>
+        <p:txBody>
+          <a:bodyPr rtlCol="0" anchor="ctr"/>
+          <a:lstStyle/>
+          <a:p>
+            <a:pPr algn="ctr"/>
+            <a:endParaRPr lang="en-US"/>
+          </a:p>
+        </p:txBody>
+      </p:sp>
+      <p:sp>
+        <p:nvSpPr>
+          <p:cNvPr id="31" name="Rectangle 30"/>
+          <p:cNvSpPr/>
+          <p:nvPr/>
+        </p:nvSpPr>
+        <p:spPr>
+          <a:xfrm>
+            <a:off x="4112886" y="642485"/>
+            <a:ext cx="117382" cy="345145"/>
+          </a:xfrm>
+          <a:prstGeom prst="rect">
+            <a:avLst/>
+          </a:prstGeom>
+          <a:solidFill>
+            <a:schemeClr val="bg2">
+              <a:lumMod val="50000"/>
+            </a:schemeClr>
+          </a:solidFill>
+          <a:ln>
+            <a:solidFill>
+              <a:schemeClr val="bg2">
+                <a:lumMod val="50000"/>
+              </a:schemeClr>
+            </a:solidFill>
+          </a:ln>
+        </p:spPr>
+        <p:style>
+          <a:lnRef idx="1">
+            <a:schemeClr val="accent1"/>
+          </a:lnRef>
+          <a:fillRef idx="3">
+            <a:schemeClr val="accent1"/>
+          </a:fillRef>
+          <a:effectRef idx="2">
+            <a:schemeClr val="accent1"/>
+          </a:effectRef>
+          <a:fontRef idx="minor">
+            <a:schemeClr val="lt1"/>
+          </a:fontRef>
+        </p:style>
+        <p:txBody>
+          <a:bodyPr rtlCol="0" anchor="ctr"/>
+          <a:lstStyle/>
+          <a:p>
+            <a:pPr algn="ctr"/>
+            <a:endParaRPr lang="en-US"/>
+          </a:p>
+        </p:txBody>
+      </p:sp>
+      <p:sp>
+        <p:nvSpPr>
+          <p:cNvPr id="32" name="Rectangle 31"/>
+          <p:cNvSpPr/>
+          <p:nvPr/>
+        </p:nvSpPr>
+        <p:spPr>
+          <a:xfrm>
+            <a:off x="574317" y="2361358"/>
+            <a:ext cx="117382" cy="345145"/>
+          </a:xfrm>
+          <a:prstGeom prst="rect">
+            <a:avLst/>
+          </a:prstGeom>
+          <a:solidFill>
+            <a:schemeClr val="bg2">
+              <a:lumMod val="50000"/>
+            </a:schemeClr>
+          </a:solidFill>
+          <a:ln>
+            <a:solidFill>
+              <a:schemeClr val="bg2">
+                <a:lumMod val="50000"/>
+              </a:schemeClr>
+            </a:solidFill>
+          </a:ln>
+        </p:spPr>
+        <p:style>
+          <a:lnRef idx="1">
+            <a:schemeClr val="accent1"/>
+          </a:lnRef>
+          <a:fillRef idx="3">
+            <a:schemeClr val="accent1"/>
+          </a:fillRef>
+          <a:effectRef idx="2">
+            <a:schemeClr val="accent1"/>
+          </a:effectRef>
+          <a:fontRef idx="minor">
+            <a:schemeClr val="lt1"/>
+          </a:fontRef>
+        </p:style>
+        <p:txBody>
+          <a:bodyPr rtlCol="0" anchor="ctr"/>
+          <a:lstStyle/>
+          <a:p>
+            <a:pPr algn="ctr"/>
+            <a:endParaRPr lang="en-US"/>
+          </a:p>
+        </p:txBody>
+      </p:sp>
+      <p:sp>
+        <p:nvSpPr>
+          <p:cNvPr id="33" name="Rectangle 32"/>
+          <p:cNvSpPr/>
+          <p:nvPr/>
+        </p:nvSpPr>
+        <p:spPr>
+          <a:xfrm>
+            <a:off x="2501076" y="3149678"/>
+            <a:ext cx="117382" cy="345145"/>
+          </a:xfrm>
+          <a:prstGeom prst="rect">
+            <a:avLst/>
+          </a:prstGeom>
+          <a:solidFill>
+            <a:schemeClr val="bg2">
+              <a:lumMod val="50000"/>
+            </a:schemeClr>
+          </a:solidFill>
+          <a:ln>
+            <a:solidFill>
+              <a:schemeClr val="bg2">
+                <a:lumMod val="50000"/>
+              </a:schemeClr>
+            </a:solidFill>
+          </a:ln>
+        </p:spPr>
+        <p:style>
+          <a:lnRef idx="1">
+            <a:schemeClr val="accent1"/>
+          </a:lnRef>
+          <a:fillRef idx="3">
+            <a:schemeClr val="accent1"/>
+          </a:fillRef>
+          <a:effectRef idx="2">
+            <a:schemeClr val="accent1"/>
+          </a:effectRef>
+          <a:fontRef idx="minor">
+            <a:schemeClr val="lt1"/>
+          </a:fontRef>
+        </p:style>
+        <p:txBody>
+          <a:bodyPr rtlCol="0" anchor="ctr"/>
+          <a:lstStyle/>
+          <a:p>
+            <a:pPr algn="ctr"/>
+            <a:endParaRPr lang="en-US"/>
+          </a:p>
+        </p:txBody>
+      </p:sp>
+      <p:sp>
+        <p:nvSpPr>
+          <p:cNvPr id="34" name="Rectangle 33"/>
+          <p:cNvSpPr/>
+          <p:nvPr/>
+        </p:nvSpPr>
+        <p:spPr>
+          <a:xfrm>
+            <a:off x="7688349" y="5223745"/>
+            <a:ext cx="117382" cy="345145"/>
+          </a:xfrm>
+          <a:prstGeom prst="rect">
+            <a:avLst/>
+          </a:prstGeom>
+          <a:solidFill>
+            <a:schemeClr val="bg2">
+              <a:lumMod val="50000"/>
+            </a:schemeClr>
+          </a:solidFill>
+          <a:ln>
+            <a:solidFill>
+              <a:schemeClr val="bg2">
+                <a:lumMod val="50000"/>
+              </a:schemeClr>
+            </a:solidFill>
+          </a:ln>
+        </p:spPr>
+        <p:style>
+          <a:lnRef idx="1">
+            <a:schemeClr val="accent1"/>
+          </a:lnRef>
+          <a:fillRef idx="3">
+            <a:schemeClr val="accent1"/>
+          </a:fillRef>
+          <a:effectRef idx="2">
+            <a:schemeClr val="accent1"/>
+          </a:effectRef>
+          <a:fontRef idx="minor">
+            <a:schemeClr val="lt1"/>
+          </a:fontRef>
+        </p:style>
+        <p:txBody>
+          <a:bodyPr rtlCol="0" anchor="ctr"/>
+          <a:lstStyle/>
+          <a:p>
+            <a:pPr algn="ctr"/>
+            <a:endParaRPr lang="en-US"/>
+          </a:p>
+        </p:txBody>
+      </p:sp>
+      <p:sp>
+        <p:nvSpPr>
+          <p:cNvPr id="35" name="Rectangle 34"/>
+          <p:cNvSpPr/>
+          <p:nvPr/>
+        </p:nvSpPr>
+        <p:spPr>
+          <a:xfrm>
+            <a:off x="2483305" y="590358"/>
+            <a:ext cx="117382" cy="345145"/>
+          </a:xfrm>
+          <a:prstGeom prst="rect">
+            <a:avLst/>
+          </a:prstGeom>
+          <a:solidFill>
+            <a:schemeClr val="bg2">
+              <a:lumMod val="50000"/>
+            </a:schemeClr>
+          </a:solidFill>
+          <a:ln>
+            <a:solidFill>
+              <a:schemeClr val="bg2">
+                <a:lumMod val="50000"/>
+              </a:schemeClr>
+            </a:solidFill>
+          </a:ln>
+        </p:spPr>
+        <p:style>
+          <a:lnRef idx="1">
+            <a:schemeClr val="accent1"/>
+          </a:lnRef>
+          <a:fillRef idx="3">
+            <a:schemeClr val="accent1"/>
+          </a:fillRef>
+          <a:effectRef idx="2">
+            <a:schemeClr val="accent1"/>
+          </a:effectRef>
+          <a:fontRef idx="minor">
+            <a:schemeClr val="lt1"/>
+          </a:fontRef>
+        </p:style>
+        <p:txBody>
+          <a:bodyPr rtlCol="0" anchor="ctr"/>
+          <a:lstStyle/>
+          <a:p>
+            <a:pPr algn="ctr"/>
+            <a:endParaRPr lang="en-US"/>
+          </a:p>
+        </p:txBody>
+      </p:sp>
+      <p:sp>
+        <p:nvSpPr>
+          <p:cNvPr id="36" name="Rectangle 35"/>
+          <p:cNvSpPr/>
+          <p:nvPr/>
+        </p:nvSpPr>
+        <p:spPr>
+          <a:xfrm>
+            <a:off x="3034986" y="6153364"/>
+            <a:ext cx="117382" cy="345145"/>
+          </a:xfrm>
+          <a:prstGeom prst="rect">
+            <a:avLst/>
+          </a:prstGeom>
+          <a:solidFill>
+            <a:schemeClr val="bg2">
+              <a:lumMod val="50000"/>
+            </a:schemeClr>
+          </a:solidFill>
+          <a:ln>
+            <a:solidFill>
+              <a:schemeClr val="bg2">
+                <a:lumMod val="50000"/>
+              </a:schemeClr>
+            </a:solidFill>
+          </a:ln>
+        </p:spPr>
+        <p:style>
+          <a:lnRef idx="1">
+            <a:schemeClr val="accent1"/>
+          </a:lnRef>
+          <a:fillRef idx="3">
+            <a:schemeClr val="accent1"/>
+          </a:fillRef>
+          <a:effectRef idx="2">
+            <a:schemeClr val="accent1"/>
+          </a:effectRef>
+          <a:fontRef idx="minor">
+            <a:schemeClr val="lt1"/>
+          </a:fontRef>
+        </p:style>
+        <p:txBody>
+          <a:bodyPr rtlCol="0" anchor="ctr"/>
+          <a:lstStyle/>
+          <a:p>
+            <a:pPr algn="ctr"/>
+            <a:endParaRPr lang="en-US"/>
+          </a:p>
+        </p:txBody>
+      </p:sp>
+      <p:sp>
+        <p:nvSpPr>
+          <p:cNvPr id="37" name="Cloud 36"/>
+          <p:cNvSpPr/>
+          <p:nvPr/>
+        </p:nvSpPr>
+        <p:spPr>
+          <a:xfrm>
+            <a:off x="2022610" y="433846"/>
+            <a:ext cx="1011903" cy="337930"/>
+          </a:xfrm>
+          <a:prstGeom prst="cloud">
+            <a:avLst/>
+          </a:prstGeom>
+          <a:solidFill>
+            <a:srgbClr val="00B050"/>
+          </a:solidFill>
+          <a:ln>
+            <a:solidFill>
+              <a:srgbClr val="00B050"/>
+            </a:solidFill>
+          </a:ln>
+        </p:spPr>
+        <p:style>
+          <a:lnRef idx="1">
+            <a:schemeClr val="accent1"/>
+          </a:lnRef>
+          <a:fillRef idx="3">
+            <a:schemeClr val="accent1"/>
+          </a:fillRef>
+          <a:effectRef idx="2">
+            <a:schemeClr val="accent1"/>
+          </a:effectRef>
+          <a:fontRef idx="minor">
+            <a:schemeClr val="lt1"/>
+          </a:fontRef>
+        </p:style>
+        <p:txBody>
+          <a:bodyPr rtlCol="0" anchor="ctr"/>
+          <a:lstStyle/>
+          <a:p>
+            <a:pPr algn="ctr"/>
+            <a:endParaRPr lang="en-US"/>
+          </a:p>
+        </p:txBody>
+      </p:sp>
+      <p:sp>
+        <p:nvSpPr>
+          <p:cNvPr id="38" name="Cloud 37"/>
+          <p:cNvSpPr/>
+          <p:nvPr/>
+        </p:nvSpPr>
+        <p:spPr>
+          <a:xfrm>
+            <a:off x="388251" y="2142440"/>
+            <a:ext cx="536713" cy="337930"/>
+          </a:xfrm>
+          <a:prstGeom prst="cloud">
+            <a:avLst/>
+          </a:prstGeom>
+          <a:solidFill>
+            <a:srgbClr val="00B050"/>
+          </a:solidFill>
+          <a:ln>
+            <a:solidFill>
+              <a:srgbClr val="00B050"/>
+            </a:solidFill>
+          </a:ln>
+        </p:spPr>
+        <p:style>
+          <a:lnRef idx="1">
+            <a:schemeClr val="accent1"/>
+          </a:lnRef>
+          <a:fillRef idx="3">
+            <a:schemeClr val="accent1"/>
+          </a:fillRef>
+          <a:effectRef idx="2">
+            <a:schemeClr val="accent1"/>
+          </a:effectRef>
+          <a:fontRef idx="minor">
+            <a:schemeClr val="lt1"/>
+          </a:fontRef>
+        </p:style>
+        <p:txBody>
+          <a:bodyPr rtlCol="0" anchor="ctr"/>
+          <a:lstStyle/>
+          <a:p>
+            <a:pPr algn="ctr"/>
+            <a:endParaRPr lang="en-US"/>
+          </a:p>
+        </p:txBody>
+      </p:sp>
+      <p:sp>
+        <p:nvSpPr>
+          <p:cNvPr id="39" name="Cloud 38"/>
+          <p:cNvSpPr/>
+          <p:nvPr/>
+        </p:nvSpPr>
+        <p:spPr>
+          <a:xfrm>
+            <a:off x="2295939" y="2912889"/>
+            <a:ext cx="536713" cy="337930"/>
+          </a:xfrm>
+          <a:prstGeom prst="cloud">
+            <a:avLst/>
+          </a:prstGeom>
+          <a:solidFill>
+            <a:srgbClr val="00B050"/>
+          </a:solidFill>
+          <a:ln>
+            <a:solidFill>
+              <a:srgbClr val="00B050"/>
+            </a:solidFill>
+          </a:ln>
+        </p:spPr>
+        <p:style>
+          <a:lnRef idx="1">
+            <a:schemeClr val="accent1"/>
+          </a:lnRef>
+          <a:fillRef idx="3">
+            <a:schemeClr val="accent1"/>
+          </a:fillRef>
+          <a:effectRef idx="2">
+            <a:schemeClr val="accent1"/>
+          </a:effectRef>
+          <a:fontRef idx="minor">
+            <a:schemeClr val="lt1"/>
+          </a:fontRef>
+        </p:style>
+        <p:txBody>
+          <a:bodyPr rtlCol="0" anchor="ctr"/>
+          <a:lstStyle/>
+          <a:p>
+            <a:pPr algn="ctr"/>
+            <a:endParaRPr lang="en-US"/>
+          </a:p>
+        </p:txBody>
+      </p:sp>
+      <p:sp>
+        <p:nvSpPr>
+          <p:cNvPr id="40" name="Cloud 39"/>
+          <p:cNvSpPr/>
+          <p:nvPr/>
+        </p:nvSpPr>
+        <p:spPr>
+          <a:xfrm>
+            <a:off x="2812997" y="5836410"/>
+            <a:ext cx="536713" cy="520511"/>
+          </a:xfrm>
+          <a:prstGeom prst="cloud">
+            <a:avLst/>
+          </a:prstGeom>
+          <a:solidFill>
+            <a:srgbClr val="00B050"/>
+          </a:solidFill>
+          <a:ln>
+            <a:solidFill>
+              <a:srgbClr val="00B050"/>
+            </a:solidFill>
+          </a:ln>
+        </p:spPr>
+        <p:style>
+          <a:lnRef idx="1">
+            <a:schemeClr val="accent1"/>
+          </a:lnRef>
+          <a:fillRef idx="3">
+            <a:schemeClr val="accent1"/>
+          </a:fillRef>
+          <a:effectRef idx="2">
+            <a:schemeClr val="accent1"/>
+          </a:effectRef>
+          <a:fontRef idx="minor">
+            <a:schemeClr val="lt1"/>
+          </a:fontRef>
+        </p:style>
+        <p:txBody>
+          <a:bodyPr rtlCol="0" anchor="ctr"/>
+          <a:lstStyle/>
+          <a:p>
+            <a:pPr algn="ctr"/>
+            <a:endParaRPr lang="en-US"/>
+          </a:p>
+        </p:txBody>
+      </p:sp>
+      <p:sp>
+        <p:nvSpPr>
+          <p:cNvPr id="41" name="Cloud 40"/>
+          <p:cNvSpPr/>
+          <p:nvPr/>
+        </p:nvSpPr>
+        <p:spPr>
+          <a:xfrm>
+            <a:off x="7451482" y="4938712"/>
+            <a:ext cx="536713" cy="337930"/>
+          </a:xfrm>
+          <a:prstGeom prst="cloud">
+            <a:avLst/>
+          </a:prstGeom>
+          <a:solidFill>
+            <a:srgbClr val="00B050"/>
+          </a:solidFill>
+          <a:ln>
+            <a:solidFill>
+              <a:srgbClr val="00B050"/>
+            </a:solidFill>
+          </a:ln>
+        </p:spPr>
+        <p:style>
+          <a:lnRef idx="1">
+            <a:schemeClr val="accent1"/>
+          </a:lnRef>
+          <a:fillRef idx="3">
+            <a:schemeClr val="accent1"/>
+          </a:fillRef>
+          <a:effectRef idx="2">
+            <a:schemeClr val="accent1"/>
+          </a:effectRef>
+          <a:fontRef idx="minor">
+            <a:schemeClr val="lt1"/>
+          </a:fontRef>
+        </p:style>
+        <p:txBody>
+          <a:bodyPr rtlCol="0" anchor="ctr"/>
+          <a:lstStyle/>
+          <a:p>
+            <a:pPr algn="ctr"/>
+            <a:endParaRPr lang="en-US"/>
           </a:p>
         </p:txBody>
       </p:sp>
